--- a/Artefatos/21. Análise do Ciclo de Vida.pptx
+++ b/Artefatos/21. Análise do Ciclo de Vida.pptx
@@ -105,6 +105,11 @@
       </a:defRPr>
     </a:lvl9pPr>
   </p:defaultTextStyle>
+  <p:extLst>
+    <p:ext uri="{EFAFB233-063F-42B5-8137-9DF3F51BA10A}">
+      <p15:sldGuideLst xmlns:p15="http://schemas.microsoft.com/office/powerpoint/2012/main"/>
+    </p:ext>
+  </p:extLst>
 </p:presentation>
 </file>
 
@@ -255,7 +260,7 @@
           <a:p>
             <a:fld id="{ACB89B68-B7BB-4F17-B522-0725DE6325FF}" type="datetimeFigureOut">
               <a:rPr lang="pt-BR" smtClean="0"/>
-              <a:t>21/09/2020</a:t>
+              <a:t>23/09/2020</a:t>
             </a:fld>
             <a:endParaRPr lang="pt-BR"/>
           </a:p>
@@ -453,7 +458,7 @@
           <a:p>
             <a:fld id="{ACB89B68-B7BB-4F17-B522-0725DE6325FF}" type="datetimeFigureOut">
               <a:rPr lang="pt-BR" smtClean="0"/>
-              <a:t>21/09/2020</a:t>
+              <a:t>23/09/2020</a:t>
             </a:fld>
             <a:endParaRPr lang="pt-BR"/>
           </a:p>
@@ -661,7 +666,7 @@
           <a:p>
             <a:fld id="{ACB89B68-B7BB-4F17-B522-0725DE6325FF}" type="datetimeFigureOut">
               <a:rPr lang="pt-BR" smtClean="0"/>
-              <a:t>21/09/2020</a:t>
+              <a:t>23/09/2020</a:t>
             </a:fld>
             <a:endParaRPr lang="pt-BR"/>
           </a:p>
@@ -859,7 +864,7 @@
           <a:p>
             <a:fld id="{ACB89B68-B7BB-4F17-B522-0725DE6325FF}" type="datetimeFigureOut">
               <a:rPr lang="pt-BR" smtClean="0"/>
-              <a:t>21/09/2020</a:t>
+              <a:t>23/09/2020</a:t>
             </a:fld>
             <a:endParaRPr lang="pt-BR"/>
           </a:p>
@@ -1134,7 +1139,7 @@
           <a:p>
             <a:fld id="{ACB89B68-B7BB-4F17-B522-0725DE6325FF}" type="datetimeFigureOut">
               <a:rPr lang="pt-BR" smtClean="0"/>
-              <a:t>21/09/2020</a:t>
+              <a:t>23/09/2020</a:t>
             </a:fld>
             <a:endParaRPr lang="pt-BR"/>
           </a:p>
@@ -1399,7 +1404,7 @@
           <a:p>
             <a:fld id="{ACB89B68-B7BB-4F17-B522-0725DE6325FF}" type="datetimeFigureOut">
               <a:rPr lang="pt-BR" smtClean="0"/>
-              <a:t>21/09/2020</a:t>
+              <a:t>23/09/2020</a:t>
             </a:fld>
             <a:endParaRPr lang="pt-BR"/>
           </a:p>
@@ -1811,7 +1816,7 @@
           <a:p>
             <a:fld id="{ACB89B68-B7BB-4F17-B522-0725DE6325FF}" type="datetimeFigureOut">
               <a:rPr lang="pt-BR" smtClean="0"/>
-              <a:t>21/09/2020</a:t>
+              <a:t>23/09/2020</a:t>
             </a:fld>
             <a:endParaRPr lang="pt-BR"/>
           </a:p>
@@ -1952,7 +1957,7 @@
           <a:p>
             <a:fld id="{ACB89B68-B7BB-4F17-B522-0725DE6325FF}" type="datetimeFigureOut">
               <a:rPr lang="pt-BR" smtClean="0"/>
-              <a:t>21/09/2020</a:t>
+              <a:t>23/09/2020</a:t>
             </a:fld>
             <a:endParaRPr lang="pt-BR"/>
           </a:p>
@@ -2065,7 +2070,7 @@
           <a:p>
             <a:fld id="{ACB89B68-B7BB-4F17-B522-0725DE6325FF}" type="datetimeFigureOut">
               <a:rPr lang="pt-BR" smtClean="0"/>
-              <a:t>21/09/2020</a:t>
+              <a:t>23/09/2020</a:t>
             </a:fld>
             <a:endParaRPr lang="pt-BR"/>
           </a:p>
@@ -2376,7 +2381,7 @@
           <a:p>
             <a:fld id="{ACB89B68-B7BB-4F17-B522-0725DE6325FF}" type="datetimeFigureOut">
               <a:rPr lang="pt-BR" smtClean="0"/>
-              <a:t>21/09/2020</a:t>
+              <a:t>23/09/2020</a:t>
             </a:fld>
             <a:endParaRPr lang="pt-BR"/>
           </a:p>
@@ -2664,7 +2669,7 @@
           <a:p>
             <a:fld id="{ACB89B68-B7BB-4F17-B522-0725DE6325FF}" type="datetimeFigureOut">
               <a:rPr lang="pt-BR" smtClean="0"/>
-              <a:t>21/09/2020</a:t>
+              <a:t>23/09/2020</a:t>
             </a:fld>
             <a:endParaRPr lang="pt-BR"/>
           </a:p>
@@ -2905,7 +2910,7 @@
           <a:p>
             <a:fld id="{ACB89B68-B7BB-4F17-B522-0725DE6325FF}" type="datetimeFigureOut">
               <a:rPr lang="pt-BR" smtClean="0"/>
-              <a:t>21/09/2020</a:t>
+              <a:t>23/09/2020</a:t>
             </a:fld>
             <a:endParaRPr lang="pt-BR"/>
           </a:p>
@@ -3372,17 +3377,19 @@
       </p:sp>
       <p:pic>
         <p:nvPicPr>
-          <p:cNvPr id="8" name="Imagem 7" descr="Tela de celular com aplicativo aberto&#10;&#10;Descrição gerada automaticamente">
-            <a:extLst>
-              <a:ext uri="{FF2B5EF4-FFF2-40B4-BE49-F238E27FC236}">
-                <a16:creationId xmlns:a16="http://schemas.microsoft.com/office/drawing/2014/main" id="{2A2FA562-957B-4294-8B42-4909F2435F42}"/>
-              </a:ext>
-            </a:extLst>
-          </p:cNvPr>
-          <p:cNvPicPr/>
+          <p:cNvPr id="3" name="Imagem 2" descr="Tela de celular com texto preto sobre fundo branco&#10;&#10;Descrição gerada automaticamente">
+            <a:extLst>
+              <a:ext uri="{FF2B5EF4-FFF2-40B4-BE49-F238E27FC236}">
+                <a16:creationId xmlns:a16="http://schemas.microsoft.com/office/drawing/2014/main" id="{3405C0EF-9140-48EE-9DD8-349CD7D704EC}"/>
+              </a:ext>
+            </a:extLst>
+          </p:cNvPr>
+          <p:cNvPicPr>
+            <a:picLocks noChangeAspect="1"/>
+          </p:cNvPicPr>
           <p:nvPr/>
         </p:nvPicPr>
-        <p:blipFill rotWithShape="1">
+        <p:blipFill>
           <a:blip r:embed="rId2">
             <a:extLst>
               <a:ext uri="{28A0092B-C50C-407E-A947-70E740481C1C}">
@@ -3390,25 +3397,18 @@
               </a:ext>
             </a:extLst>
           </a:blip>
-          <a:srcRect b="51050"/>
-          <a:stretch/>
+          <a:stretch>
+            <a:fillRect/>
+          </a:stretch>
         </p:blipFill>
-        <p:spPr bwMode="auto">
+        <p:spPr>
           <a:xfrm>
-            <a:off x="2807330" y="1147111"/>
-            <a:ext cx="6577339" cy="5584994"/>
+            <a:off x="2668172" y="1232060"/>
+            <a:ext cx="6478669" cy="5492297"/>
           </a:xfrm>
           <a:prstGeom prst="rect">
             <a:avLst/>
           </a:prstGeom>
-          <a:ln>
-            <a:noFill/>
-          </a:ln>
-          <a:extLst>
-            <a:ext uri="{53640926-AAD7-44D8-BBD7-CCE9431645EC}">
-              <a14:shadowObscured xmlns:a14="http://schemas.microsoft.com/office/drawing/2010/main"/>
-            </a:ext>
-          </a:extLst>
         </p:spPr>
       </p:pic>
     </p:spTree>
